--- a/EverythingIsAnObject/EverythingIsAnObject.pptx
+++ b/EverythingIsAnObject/EverythingIsAnObject.pptx
@@ -5,22 +5,23 @@
     <p:sldMasterId id="2147483648" r:id="rId1"/>
   </p:sldMasterIdLst>
   <p:notesMasterIdLst>
-    <p:notesMasterId r:id="rId15"/>
+    <p:notesMasterId r:id="rId16"/>
   </p:notesMasterIdLst>
   <p:sldIdLst>
     <p:sldId id="256" r:id="rId2"/>
-    <p:sldId id="258" r:id="rId3"/>
-    <p:sldId id="259" r:id="rId4"/>
-    <p:sldId id="260" r:id="rId5"/>
-    <p:sldId id="268" r:id="rId6"/>
-    <p:sldId id="261" r:id="rId7"/>
-    <p:sldId id="262" r:id="rId8"/>
-    <p:sldId id="263" r:id="rId9"/>
-    <p:sldId id="264" r:id="rId10"/>
-    <p:sldId id="265" r:id="rId11"/>
-    <p:sldId id="266" r:id="rId12"/>
-    <p:sldId id="267" r:id="rId13"/>
-    <p:sldId id="269" r:id="rId14"/>
+    <p:sldId id="270" r:id="rId3"/>
+    <p:sldId id="258" r:id="rId4"/>
+    <p:sldId id="259" r:id="rId5"/>
+    <p:sldId id="260" r:id="rId6"/>
+    <p:sldId id="268" r:id="rId7"/>
+    <p:sldId id="261" r:id="rId8"/>
+    <p:sldId id="262" r:id="rId9"/>
+    <p:sldId id="263" r:id="rId10"/>
+    <p:sldId id="264" r:id="rId11"/>
+    <p:sldId id="265" r:id="rId12"/>
+    <p:sldId id="266" r:id="rId13"/>
+    <p:sldId id="267" r:id="rId14"/>
+    <p:sldId id="269" r:id="rId15"/>
   </p:sldIdLst>
   <p:sldSz cx="9144000" cy="6858000" type="screen4x3"/>
   <p:notesSz cx="6858000" cy="9144000"/>
@@ -3458,13 +3459,13 @@
   <p:clrMapOvr>
     <a:masterClrMapping/>
   </p:clrMapOvr>
-  <mc:AlternateContent xmlns:mc="http://schemas.openxmlformats.org/markup-compatibility/2006">
-    <mc:Choice xmlns:p14="http://schemas.microsoft.com/office/powerpoint/2010/main" Requires="p14">
+  <mc:AlternateContent xmlns:mc="http://schemas.openxmlformats.org/markup-compatibility/2006" xmlns:p14="http://schemas.microsoft.com/office/powerpoint/2010/main">
+    <mc:Choice Requires="p14">
       <p:transition spd="slow" p14:dur="4000">
         <p14:vortex dir="r"/>
       </p:transition>
     </mc:Choice>
-    <mc:Fallback>
+    <mc:Fallback xmlns="">
       <p:transition spd="slow">
         <p:fade/>
       </p:transition>
@@ -3508,6 +3509,363 @@
         </p:nvSpPr>
         <p:spPr>
           <a:xfrm>
+            <a:off x="2001078" y="198782"/>
+            <a:ext cx="6851374" cy="1325563"/>
+          </a:xfrm>
+        </p:spPr>
+        <p:txBody>
+          <a:bodyPr>
+            <a:normAutofit fontScale="90000"/>
+          </a:bodyPr>
+          <a:lstStyle/>
+          <a:p>
+            <a:pPr algn="ctr"/>
+            <a:r>
+              <a:rPr lang="ru-RU" sz="6000" b="1" dirty="0">
+                <a:solidFill>
+                  <a:srgbClr val="540022"/>
+                </a:solidFill>
+              </a:rPr>
+              <a:t>Ключевое слово </a:t>
+            </a:r>
+            <a:r>
+              <a:rPr lang="en-US" sz="6000" b="1" dirty="0">
+                <a:solidFill>
+                  <a:srgbClr val="540022"/>
+                </a:solidFill>
+              </a:rPr>
+              <a:t>static</a:t>
+            </a:r>
+            <a:endParaRPr lang="ru-RU" sz="5400" dirty="0"/>
+          </a:p>
+        </p:txBody>
+      </p:sp>
+      <p:sp>
+        <p:nvSpPr>
+          <p:cNvPr id="4" name="TextBox 3">
+            <a:extLst>
+              <a:ext uri="{FF2B5EF4-FFF2-40B4-BE49-F238E27FC236}">
+                <a16:creationId xmlns:a16="http://schemas.microsoft.com/office/drawing/2014/main" id="{F554944C-9094-45D3-9668-2E5BCB097942}"/>
+              </a:ext>
+            </a:extLst>
+          </p:cNvPr>
+          <p:cNvSpPr txBox="1"/>
+          <p:nvPr/>
+        </p:nvSpPr>
+        <p:spPr>
+          <a:xfrm>
+            <a:off x="225286" y="1740361"/>
+            <a:ext cx="8772939" cy="1569660"/>
+          </a:xfrm>
+          <a:prstGeom prst="rect">
+            <a:avLst/>
+          </a:prstGeom>
+          <a:noFill/>
+        </p:spPr>
+        <p:txBody>
+          <a:bodyPr wrap="square" rtlCol="0">
+            <a:spAutoFit/>
+          </a:bodyPr>
+          <a:lstStyle/>
+          <a:p>
+            <a:pPr marL="285750" indent="-285750">
+              <a:buFont typeface="Arial" panose="020B0604020202020204" pitchFamily="34" charset="0"/>
+              <a:buChar char="•"/>
+            </a:pPr>
+            <a:r>
+              <a:rPr lang="ru-RU" sz="2400" dirty="0"/>
+              <a:t>Позволяет хранить данные в «единственном числе», то есть независимо от того сколько было создано объектов класса.</a:t>
+            </a:r>
+          </a:p>
+          <a:p>
+            <a:pPr marL="285750" indent="-285750">
+              <a:buFont typeface="Arial" panose="020B0604020202020204" pitchFamily="34" charset="0"/>
+              <a:buChar char="•"/>
+            </a:pPr>
+            <a:r>
+              <a:rPr lang="ru-RU" sz="2400" dirty="0"/>
+              <a:t>Позволяет использовать метод, не привязанный ни к какому конкретному объекту класса. </a:t>
+            </a:r>
+            <a:endParaRPr lang="en-US" sz="2400" dirty="0"/>
+          </a:p>
+        </p:txBody>
+      </p:sp>
+      <p:grpSp>
+        <p:nvGrpSpPr>
+          <p:cNvPr id="6" name="Группа 5">
+            <a:extLst>
+              <a:ext uri="{FF2B5EF4-FFF2-40B4-BE49-F238E27FC236}">
+                <a16:creationId xmlns:a16="http://schemas.microsoft.com/office/drawing/2014/main" id="{7E929C71-6ED6-402F-97B6-BDED573AF901}"/>
+              </a:ext>
+            </a:extLst>
+          </p:cNvPr>
+          <p:cNvGrpSpPr/>
+          <p:nvPr/>
+        </p:nvGrpSpPr>
+        <p:grpSpPr>
+          <a:xfrm>
+            <a:off x="702365" y="3526037"/>
+            <a:ext cx="7924800" cy="3133182"/>
+            <a:chOff x="609600" y="3027062"/>
+            <a:chExt cx="7924800" cy="3660689"/>
+          </a:xfrm>
+        </p:grpSpPr>
+        <p:sp>
+          <p:nvSpPr>
+            <p:cNvPr id="8" name="Прямоугольник 7">
+              <a:extLst>
+                <a:ext uri="{FF2B5EF4-FFF2-40B4-BE49-F238E27FC236}">
+                  <a16:creationId xmlns:a16="http://schemas.microsoft.com/office/drawing/2014/main" id="{220F1940-20F9-4D14-A838-8BE412D60146}"/>
+                </a:ext>
+              </a:extLst>
+            </p:cNvPr>
+            <p:cNvSpPr/>
+            <p:nvPr/>
+          </p:nvSpPr>
+          <p:spPr>
+            <a:xfrm>
+              <a:off x="609600" y="3027062"/>
+              <a:ext cx="7924800" cy="3660688"/>
+            </a:xfrm>
+            <a:prstGeom prst="rect">
+              <a:avLst/>
+            </a:prstGeom>
+            <a:solidFill>
+              <a:schemeClr val="bg1"/>
+            </a:solidFill>
+            <a:ln w="57150">
+              <a:solidFill>
+                <a:srgbClr val="C00000"/>
+              </a:solidFill>
+            </a:ln>
+          </p:spPr>
+          <p:style>
+            <a:lnRef idx="2">
+              <a:schemeClr val="accent1">
+                <a:shade val="50000"/>
+              </a:schemeClr>
+            </a:lnRef>
+            <a:fillRef idx="1">
+              <a:schemeClr val="accent1"/>
+            </a:fillRef>
+            <a:effectRef idx="0">
+              <a:schemeClr val="accent1"/>
+            </a:effectRef>
+            <a:fontRef idx="minor">
+              <a:schemeClr val="lt1"/>
+            </a:fontRef>
+          </p:style>
+          <p:txBody>
+            <a:bodyPr rtlCol="0" anchor="ctr"/>
+            <a:lstStyle/>
+            <a:p>
+              <a:pPr algn="ctr"/>
+              <a:endParaRPr lang="ru-RU" dirty="0"/>
+            </a:p>
+          </p:txBody>
+        </p:sp>
+        <p:sp>
+          <p:nvSpPr>
+            <p:cNvPr id="9" name="TextBox 8">
+              <a:extLst>
+                <a:ext uri="{FF2B5EF4-FFF2-40B4-BE49-F238E27FC236}">
+                  <a16:creationId xmlns:a16="http://schemas.microsoft.com/office/drawing/2014/main" id="{BC466E27-5CC8-4796-B734-0B407C1D91FE}"/>
+                </a:ext>
+              </a:extLst>
+            </p:cNvPr>
+            <p:cNvSpPr txBox="1"/>
+            <p:nvPr/>
+          </p:nvSpPr>
+          <p:spPr>
+            <a:xfrm>
+              <a:off x="834885" y="3127767"/>
+              <a:ext cx="7368209" cy="3559984"/>
+            </a:xfrm>
+            <a:prstGeom prst="rect">
+              <a:avLst/>
+            </a:prstGeom>
+            <a:noFill/>
+          </p:spPr>
+          <p:txBody>
+            <a:bodyPr wrap="square" rtlCol="0">
+              <a:spAutoFit/>
+            </a:bodyPr>
+            <a:lstStyle/>
+            <a:p>
+              <a:r>
+                <a:rPr lang="en-US" sz="2400" dirty="0">
+                  <a:latin typeface="Consolas" panose="020B0609020204030204" pitchFamily="49" charset="0"/>
+                </a:rPr>
+                <a:t>class </a:t>
+              </a:r>
+              <a:r>
+                <a:rPr lang="en-US" sz="2400" dirty="0" err="1">
+                  <a:latin typeface="Consolas" panose="020B0609020204030204" pitchFamily="49" charset="0"/>
+                </a:rPr>
+                <a:t>StaticTest</a:t>
+              </a:r>
+              <a:r>
+                <a:rPr lang="en-US" sz="2400" dirty="0">
+                  <a:latin typeface="Consolas" panose="020B0609020204030204" pitchFamily="49" charset="0"/>
+                </a:rPr>
+                <a:t> {</a:t>
+              </a:r>
+            </a:p>
+            <a:p>
+              <a:r>
+                <a:rPr lang="en-US" sz="2400" dirty="0">
+                  <a:latin typeface="Consolas" panose="020B0609020204030204" pitchFamily="49" charset="0"/>
+                </a:rPr>
+                <a:t>	public static int </a:t>
+              </a:r>
+              <a:r>
+                <a:rPr lang="en-US" sz="2400" dirty="0" err="1">
+                  <a:latin typeface="Consolas" panose="020B0609020204030204" pitchFamily="49" charset="0"/>
+                </a:rPr>
+                <a:t>i</a:t>
+              </a:r>
+              <a:r>
+                <a:rPr lang="en-US" sz="2400" dirty="0">
+                  <a:latin typeface="Consolas" panose="020B0609020204030204" pitchFamily="49" charset="0"/>
+                </a:rPr>
+                <a:t> = 47;</a:t>
+              </a:r>
+            </a:p>
+            <a:p>
+              <a:r>
+                <a:rPr lang="en-US" sz="2400" dirty="0">
+                  <a:latin typeface="Consolas" panose="020B0609020204030204" pitchFamily="49" charset="0"/>
+                </a:rPr>
+                <a:t>}</a:t>
+              </a:r>
+            </a:p>
+            <a:p>
+              <a:endParaRPr lang="en-US" sz="2400" dirty="0">
+                <a:latin typeface="Consolas" panose="020B0609020204030204" pitchFamily="49" charset="0"/>
+              </a:endParaRPr>
+            </a:p>
+            <a:p>
+              <a:r>
+                <a:rPr lang="en-US" sz="2400" dirty="0">
+                  <a:latin typeface="Consolas" panose="020B0609020204030204" pitchFamily="49" charset="0"/>
+                </a:rPr>
+                <a:t>…</a:t>
+              </a:r>
+            </a:p>
+            <a:p>
+              <a:r>
+                <a:rPr lang="en-US" sz="2400" dirty="0">
+                  <a:latin typeface="Consolas" panose="020B0609020204030204" pitchFamily="49" charset="0"/>
+                </a:rPr>
+                <a:t>public static void main (String [] </a:t>
+              </a:r>
+              <a:r>
+                <a:rPr lang="en-US" sz="2400" dirty="0" err="1">
+                  <a:latin typeface="Consolas" panose="020B0609020204030204" pitchFamily="49" charset="0"/>
+                </a:rPr>
+                <a:t>args</a:t>
+              </a:r>
+              <a:r>
+                <a:rPr lang="en-US" sz="2400" dirty="0">
+                  <a:latin typeface="Consolas" panose="020B0609020204030204" pitchFamily="49" charset="0"/>
+                </a:rPr>
+                <a:t>) {</a:t>
+              </a:r>
+            </a:p>
+            <a:p>
+              <a:r>
+                <a:rPr lang="en-US" sz="2400" dirty="0">
+                  <a:latin typeface="Consolas" panose="020B0609020204030204" pitchFamily="49" charset="0"/>
+                </a:rPr>
+                <a:t>	</a:t>
+              </a:r>
+              <a:r>
+                <a:rPr lang="en-US" sz="2400" dirty="0" err="1">
+                  <a:latin typeface="Consolas" panose="020B0609020204030204" pitchFamily="49" charset="0"/>
+                </a:rPr>
+                <a:t>StaticTest.i</a:t>
+              </a:r>
+              <a:r>
+                <a:rPr lang="en-US" sz="2400" dirty="0">
+                  <a:latin typeface="Consolas" panose="020B0609020204030204" pitchFamily="49" charset="0"/>
+                </a:rPr>
+                <a:t>++;</a:t>
+              </a:r>
+            </a:p>
+            <a:p>
+              <a:r>
+                <a:rPr lang="en-US" sz="2400" dirty="0">
+                  <a:latin typeface="Consolas" panose="020B0609020204030204" pitchFamily="49" charset="0"/>
+                </a:rPr>
+                <a:t>}</a:t>
+              </a:r>
+              <a:endParaRPr lang="ru-RU" sz="2800" dirty="0">
+                <a:latin typeface="Consolas" panose="020B0609020204030204" pitchFamily="49" charset="0"/>
+              </a:endParaRPr>
+            </a:p>
+          </p:txBody>
+        </p:sp>
+      </p:grpSp>
+    </p:spTree>
+    <p:extLst>
+      <p:ext uri="{BB962C8B-B14F-4D97-AF65-F5344CB8AC3E}">
+        <p14:creationId xmlns:p14="http://schemas.microsoft.com/office/powerpoint/2010/main" val="1207267210"/>
+      </p:ext>
+    </p:extLst>
+  </p:cSld>
+  <p:clrMapOvr>
+    <a:masterClrMapping/>
+  </p:clrMapOvr>
+  <mc:AlternateContent xmlns:mc="http://schemas.openxmlformats.org/markup-compatibility/2006" xmlns:p14="http://schemas.microsoft.com/office/powerpoint/2010/main">
+    <mc:Choice Requires="p14">
+      <p:transition spd="slow" p14:dur="900">
+        <p14:warp dir="in"/>
+      </p:transition>
+    </mc:Choice>
+    <mc:Fallback xmlns="">
+      <p:transition spd="slow">
+        <p:fade/>
+      </p:transition>
+    </mc:Fallback>
+  </mc:AlternateContent>
+</p:sld>
+</file>
+
+<file path=ppt/slides/slide11.xml><?xml version="1.0" encoding="utf-8"?>
+<p:sld xmlns:a="http://schemas.openxmlformats.org/drawingml/2006/main" xmlns:r="http://schemas.openxmlformats.org/officeDocument/2006/relationships" xmlns:p="http://schemas.openxmlformats.org/presentationml/2006/main">
+  <p:cSld>
+    <p:spTree>
+      <p:nvGrpSpPr>
+        <p:cNvPr id="1" name=""/>
+        <p:cNvGrpSpPr/>
+        <p:nvPr/>
+      </p:nvGrpSpPr>
+      <p:grpSpPr>
+        <a:xfrm>
+          <a:off x="0" y="0"/>
+          <a:ext cx="0" cy="0"/>
+          <a:chOff x="0" y="0"/>
+          <a:chExt cx="0" cy="0"/>
+        </a:xfrm>
+      </p:grpSpPr>
+      <p:sp>
+        <p:nvSpPr>
+          <p:cNvPr id="2" name="Заголовок 1">
+            <a:extLst>
+              <a:ext uri="{FF2B5EF4-FFF2-40B4-BE49-F238E27FC236}">
+                <a16:creationId xmlns:a16="http://schemas.microsoft.com/office/drawing/2014/main" id="{6F047A64-32DE-46D5-8C70-BACEA28BEF1F}"/>
+              </a:ext>
+            </a:extLst>
+          </p:cNvPr>
+          <p:cNvSpPr>
+            <a:spLocks noGrp="1"/>
+          </p:cNvSpPr>
+          <p:nvPr>
+            <p:ph type="title"/>
+          </p:nvPr>
+        </p:nvSpPr>
+        <p:spPr>
+          <a:xfrm>
             <a:off x="1510748" y="306790"/>
             <a:ext cx="7633252" cy="1325563"/>
           </a:xfrm>
@@ -3737,13 +4095,13 @@
   <p:clrMapOvr>
     <a:masterClrMapping/>
   </p:clrMapOvr>
-  <mc:AlternateContent xmlns:mc="http://schemas.openxmlformats.org/markup-compatibility/2006">
-    <mc:Choice xmlns:p14="http://schemas.microsoft.com/office/powerpoint/2010/main" Requires="p14">
+  <mc:AlternateContent xmlns:mc="http://schemas.openxmlformats.org/markup-compatibility/2006" xmlns:p14="http://schemas.microsoft.com/office/powerpoint/2010/main">
+    <mc:Choice Requires="p14">
       <p:transition spd="slow" p14:dur="3000">
         <p14:shred/>
       </p:transition>
     </mc:Choice>
-    <mc:Fallback>
+    <mc:Fallback xmlns="">
       <p:transition spd="slow">
         <p:fade/>
       </p:transition>
@@ -3752,7 +4110,7 @@
 </p:sld>
 </file>
 
-<file path=ppt/slides/slide11.xml><?xml version="1.0" encoding="utf-8"?>
+<file path=ppt/slides/slide12.xml><?xml version="1.0" encoding="utf-8"?>
 <p:sld xmlns:a="http://schemas.openxmlformats.org/drawingml/2006/main" xmlns:r="http://schemas.openxmlformats.org/officeDocument/2006/relationships" xmlns:p="http://schemas.openxmlformats.org/presentationml/2006/main">
   <p:cSld>
     <p:spTree>
@@ -4088,13 +4446,13 @@
   <p:clrMapOvr>
     <a:masterClrMapping/>
   </p:clrMapOvr>
-  <mc:AlternateContent xmlns:mc="http://schemas.openxmlformats.org/markup-compatibility/2006">
-    <mc:Choice xmlns:p14="http://schemas.microsoft.com/office/powerpoint/2010/main" Requires="p14">
+  <mc:AlternateContent xmlns:mc="http://schemas.openxmlformats.org/markup-compatibility/2006" xmlns:p14="http://schemas.microsoft.com/office/powerpoint/2010/main">
+    <mc:Choice Requires="p14">
       <p:transition spd="slow" p14:dur="1250">
         <p14:switch dir="r"/>
       </p:transition>
     </mc:Choice>
-    <mc:Fallback>
+    <mc:Fallback xmlns="">
       <p:transition spd="slow">
         <p:fade/>
       </p:transition>
@@ -4103,7 +4461,7 @@
 </p:sld>
 </file>
 
-<file path=ppt/slides/slide12.xml><?xml version="1.0" encoding="utf-8"?>
+<file path=ppt/slides/slide13.xml><?xml version="1.0" encoding="utf-8"?>
 <p:sld xmlns:a="http://schemas.openxmlformats.org/drawingml/2006/main" xmlns:r="http://schemas.openxmlformats.org/officeDocument/2006/relationships" xmlns:p="http://schemas.openxmlformats.org/presentationml/2006/main">
   <p:cSld>
     <p:spTree>
@@ -4214,13 +4572,13 @@
   <p:clrMapOvr>
     <a:masterClrMapping/>
   </p:clrMapOvr>
-  <mc:AlternateContent xmlns:mc="http://schemas.openxmlformats.org/markup-compatibility/2006">
-    <mc:Choice xmlns:p14="http://schemas.microsoft.com/office/powerpoint/2010/main" Requires="p14">
+  <mc:AlternateContent xmlns:mc="http://schemas.openxmlformats.org/markup-compatibility/2006" xmlns:p14="http://schemas.microsoft.com/office/powerpoint/2010/main">
+    <mc:Choice Requires="p14">
       <p:transition spd="slow" p14:dur="1500">
         <p:split orient="vert"/>
       </p:transition>
     </mc:Choice>
-    <mc:Fallback>
+    <mc:Fallback xmlns="">
       <p:transition spd="slow">
         <p:split orient="vert"/>
       </p:transition>
@@ -4229,7 +4587,7 @@
 </p:sld>
 </file>
 
-<file path=ppt/slides/slide13.xml><?xml version="1.0" encoding="utf-8"?>
+<file path=ppt/slides/slide14.xml><?xml version="1.0" encoding="utf-8"?>
 <p:sld xmlns:a="http://schemas.openxmlformats.org/drawingml/2006/main" xmlns:r="http://schemas.openxmlformats.org/officeDocument/2006/relationships" xmlns:p="http://schemas.openxmlformats.org/presentationml/2006/main">
   <p:cSld>
     <p:spTree>
@@ -4312,13 +4670,13 @@
   <p:clrMapOvr>
     <a:masterClrMapping/>
   </p:clrMapOvr>
-  <mc:AlternateContent xmlns:mc="http://schemas.openxmlformats.org/markup-compatibility/2006">
-    <mc:Choice xmlns:p14="http://schemas.microsoft.com/office/powerpoint/2010/main" Requires="p14">
+  <mc:AlternateContent xmlns:mc="http://schemas.openxmlformats.org/markup-compatibility/2006" xmlns:p14="http://schemas.microsoft.com/office/powerpoint/2010/main">
+    <mc:Choice Requires="p14">
       <p:transition spd="slow" p14:dur="3900">
         <p14:glitter pattern="hexagon"/>
       </p:transition>
     </mc:Choice>
-    <mc:Fallback>
+    <mc:Fallback xmlns="">
       <p:transition spd="slow">
         <p:fade/>
       </p:transition>
@@ -4402,6 +4760,147 @@
 </file>
 
 <file path=ppt/slides/slide2.xml><?xml version="1.0" encoding="utf-8"?>
+<p:sld xmlns:a="http://schemas.openxmlformats.org/drawingml/2006/main" xmlns:r="http://schemas.openxmlformats.org/officeDocument/2006/relationships" xmlns:p="http://schemas.openxmlformats.org/presentationml/2006/main">
+  <p:cSld>
+    <p:spTree>
+      <p:nvGrpSpPr>
+        <p:cNvPr id="1" name=""/>
+        <p:cNvGrpSpPr/>
+        <p:nvPr/>
+      </p:nvGrpSpPr>
+      <p:grpSpPr>
+        <a:xfrm>
+          <a:off x="0" y="0"/>
+          <a:ext cx="0" cy="0"/>
+          <a:chOff x="0" y="0"/>
+          <a:chExt cx="0" cy="0"/>
+        </a:xfrm>
+      </p:grpSpPr>
+      <p:sp>
+        <p:nvSpPr>
+          <p:cNvPr id="2" name="Заголовок 1">
+            <a:extLst>
+              <a:ext uri="{FF2B5EF4-FFF2-40B4-BE49-F238E27FC236}">
+                <a16:creationId xmlns:a16="http://schemas.microsoft.com/office/drawing/2014/main" id="{500D2498-0473-4244-92A9-69A2EFA2DCB7}"/>
+              </a:ext>
+            </a:extLst>
+          </p:cNvPr>
+          <p:cNvSpPr>
+            <a:spLocks noGrp="1"/>
+          </p:cNvSpPr>
+          <p:nvPr>
+            <p:ph type="title"/>
+          </p:nvPr>
+        </p:nvSpPr>
+        <p:spPr>
+          <a:xfrm>
+            <a:off x="2213112" y="139841"/>
+            <a:ext cx="6758609" cy="1200329"/>
+          </a:xfrm>
+        </p:spPr>
+        <p:txBody>
+          <a:bodyPr>
+            <a:normAutofit/>
+          </a:bodyPr>
+          <a:lstStyle/>
+          <a:p>
+            <a:pPr algn="ctr"/>
+            <a:r>
+              <a:rPr lang="ru-RU" sz="6000" b="1" dirty="0">
+                <a:solidFill>
+                  <a:srgbClr val="540022"/>
+                </a:solidFill>
+              </a:rPr>
+              <a:t>Основные понятия</a:t>
+            </a:r>
+          </a:p>
+        </p:txBody>
+      </p:sp>
+      <p:sp>
+        <p:nvSpPr>
+          <p:cNvPr id="3" name="TextBox 2">
+            <a:extLst>
+              <a:ext uri="{FF2B5EF4-FFF2-40B4-BE49-F238E27FC236}">
+                <a16:creationId xmlns:a16="http://schemas.microsoft.com/office/drawing/2014/main" id="{B6DA70D5-568F-4D28-BD80-1D36627A1386}"/>
+              </a:ext>
+            </a:extLst>
+          </p:cNvPr>
+          <p:cNvSpPr txBox="1"/>
+          <p:nvPr/>
+        </p:nvSpPr>
+        <p:spPr>
+          <a:xfrm>
+            <a:off x="225285" y="2014330"/>
+            <a:ext cx="8746436" cy="3785652"/>
+          </a:xfrm>
+          <a:prstGeom prst="rect">
+            <a:avLst/>
+          </a:prstGeom>
+          <a:noFill/>
+        </p:spPr>
+        <p:txBody>
+          <a:bodyPr wrap="square" rtlCol="0">
+            <a:spAutoFit/>
+          </a:bodyPr>
+          <a:lstStyle/>
+          <a:p>
+            <a:pPr marL="285750" indent="-285750">
+              <a:buFont typeface="Arial" panose="020B0604020202020204" pitchFamily="34" charset="0"/>
+              <a:buChar char="•"/>
+            </a:pPr>
+            <a:r>
+              <a:rPr lang="ru-RU" sz="2400" dirty="0"/>
+              <a:t>Объектно-ориентированное программирование – это  методология программирования, основанная на представлении программы в виде совокупности объектов, каждый из которых является экземпляром определённого класса, а классы образуют иерархию наследования.</a:t>
+            </a:r>
+          </a:p>
+          <a:p>
+            <a:pPr marL="285750" indent="-285750">
+              <a:buFont typeface="Arial" panose="020B0604020202020204" pitchFamily="34" charset="0"/>
+              <a:buChar char="•"/>
+            </a:pPr>
+            <a:r>
+              <a:rPr lang="ru-RU" sz="2400" dirty="0"/>
+              <a:t>Класс – это ключевое понятие ООП, элемент ПО, описывающий абстрактный тип данных и его частичную или полную реализацию.</a:t>
+            </a:r>
+          </a:p>
+          <a:p>
+            <a:pPr marL="285750" indent="-285750">
+              <a:buFont typeface="Arial" panose="020B0604020202020204" pitchFamily="34" charset="0"/>
+              <a:buChar char="•"/>
+            </a:pPr>
+            <a:r>
+              <a:rPr lang="ru-RU" sz="2400" dirty="0"/>
+              <a:t>Объект – это экземпляр конкретного класса, обладающий определенным состоянием и поведением.</a:t>
+            </a:r>
+          </a:p>
+        </p:txBody>
+      </p:sp>
+    </p:spTree>
+    <p:extLst>
+      <p:ext uri="{BB962C8B-B14F-4D97-AF65-F5344CB8AC3E}">
+        <p14:creationId xmlns:p14="http://schemas.microsoft.com/office/powerpoint/2010/main" val="3929386950"/>
+      </p:ext>
+    </p:extLst>
+  </p:cSld>
+  <p:clrMapOvr>
+    <a:masterClrMapping/>
+  </p:clrMapOvr>
+  <mc:AlternateContent xmlns:mc="http://schemas.openxmlformats.org/markup-compatibility/2006" xmlns:p14="http://schemas.microsoft.com/office/powerpoint/2010/main">
+    <mc:Choice Requires="p14">
+      <p:transition spd="med" p14:dur="700">
+        <p:fade/>
+      </p:transition>
+    </mc:Choice>
+    <mc:Fallback xmlns="">
+      <p:transition spd="med">
+        <p:fade/>
+      </p:transition>
+    </mc:Fallback>
+  </mc:AlternateContent>
+</p:sld>
+</file>
+
+<file path=ppt/slides/slide3.xml><?xml version="1.0" encoding="utf-8"?>
 <p:sld xmlns:a="http://schemas.openxmlformats.org/drawingml/2006/main" xmlns:r="http://schemas.openxmlformats.org/officeDocument/2006/relationships" xmlns:p="http://schemas.openxmlformats.org/presentationml/2006/main">
   <p:cSld>
     <p:spTree>
@@ -4845,13 +5344,13 @@
   <p:clrMapOvr>
     <a:masterClrMapping/>
   </p:clrMapOvr>
-  <mc:AlternateContent xmlns:mc="http://schemas.openxmlformats.org/markup-compatibility/2006">
-    <mc:Choice xmlns:p14="http://schemas.microsoft.com/office/powerpoint/2010/main" Requires="p14">
+  <mc:AlternateContent xmlns:mc="http://schemas.openxmlformats.org/markup-compatibility/2006" xmlns:p14="http://schemas.microsoft.com/office/powerpoint/2010/main">
+    <mc:Choice Requires="p14">
       <p:transition spd="med" p14:dur="700">
         <p:fade/>
       </p:transition>
     </mc:Choice>
-    <mc:Fallback>
+    <mc:Fallback xmlns="">
       <p:transition spd="med">
         <p:fade/>
       </p:transition>
@@ -4860,7 +5359,7 @@
 </p:sld>
 </file>
 
-<file path=ppt/slides/slide3.xml><?xml version="1.0" encoding="utf-8"?>
+<file path=ppt/slides/slide4.xml><?xml version="1.0" encoding="utf-8"?>
 <p:sld xmlns:a="http://schemas.openxmlformats.org/drawingml/2006/main" xmlns:r="http://schemas.openxmlformats.org/officeDocument/2006/relationships" xmlns:p="http://schemas.openxmlformats.org/presentationml/2006/main">
   <p:cSld>
     <p:spTree>
@@ -5123,7 +5622,7 @@
 </p:sld>
 </file>
 
-<file path=ppt/slides/slide4.xml><?xml version="1.0" encoding="utf-8"?>
+<file path=ppt/slides/slide5.xml><?xml version="1.0" encoding="utf-8"?>
 <p:sld xmlns:a="http://schemas.openxmlformats.org/drawingml/2006/main" xmlns:r="http://schemas.openxmlformats.org/officeDocument/2006/relationships" xmlns:p="http://schemas.openxmlformats.org/presentationml/2006/main">
   <p:cSld>
     <p:spTree>
@@ -6798,7 +7297,7 @@
 </p:sld>
 </file>
 
-<file path=ppt/slides/slide5.xml><?xml version="1.0" encoding="utf-8"?>
+<file path=ppt/slides/slide6.xml><?xml version="1.0" encoding="utf-8"?>
 <p:sld xmlns:a="http://schemas.openxmlformats.org/drawingml/2006/main" xmlns:r="http://schemas.openxmlformats.org/officeDocument/2006/relationships" xmlns:p="http://schemas.openxmlformats.org/presentationml/2006/main">
   <p:cSld>
     <p:spTree>
@@ -7121,7 +7620,7 @@
 </p:sld>
 </file>
 
-<file path=ppt/slides/slide6.xml><?xml version="1.0" encoding="utf-8"?>
+<file path=ppt/slides/slide7.xml><?xml version="1.0" encoding="utf-8"?>
 <p:sld xmlns:a="http://schemas.openxmlformats.org/drawingml/2006/main" xmlns:r="http://schemas.openxmlformats.org/officeDocument/2006/relationships" xmlns:p="http://schemas.openxmlformats.org/presentationml/2006/main">
   <p:cSld>
     <p:spTree>
@@ -7278,13 +7777,13 @@
   <p:clrMapOvr>
     <a:masterClrMapping/>
   </p:clrMapOvr>
-  <mc:AlternateContent xmlns:mc="http://schemas.openxmlformats.org/markup-compatibility/2006">
-    <mc:Choice xmlns:p14="http://schemas.microsoft.com/office/powerpoint/2010/main" Requires="p14">
+  <mc:AlternateContent xmlns:mc="http://schemas.openxmlformats.org/markup-compatibility/2006" xmlns:p14="http://schemas.microsoft.com/office/powerpoint/2010/main">
+    <mc:Choice Requires="p14">
       <p:transition spd="slow" p14:dur="1600">
         <p14:prism isInverted="1"/>
       </p:transition>
     </mc:Choice>
-    <mc:Fallback>
+    <mc:Fallback xmlns="">
       <p:transition spd="slow">
         <p:fade/>
       </p:transition>
@@ -7293,7 +7792,7 @@
 </p:sld>
 </file>
 
-<file path=ppt/slides/slide7.xml><?xml version="1.0" encoding="utf-8"?>
+<file path=ppt/slides/slide8.xml><?xml version="1.0" encoding="utf-8"?>
 <p:sld xmlns:a="http://schemas.openxmlformats.org/drawingml/2006/main" xmlns:r="http://schemas.openxmlformats.org/officeDocument/2006/relationships" xmlns:p="http://schemas.openxmlformats.org/presentationml/2006/main">
   <p:cSld>
     <p:spTree>
@@ -7590,13 +8089,13 @@
   <p:clrMapOvr>
     <a:masterClrMapping/>
   </p:clrMapOvr>
-  <mc:AlternateContent xmlns:mc="http://schemas.openxmlformats.org/markup-compatibility/2006">
-    <mc:Choice xmlns:p15="http://schemas.microsoft.com/office/powerpoint/2012/main" Requires="p15">
+  <mc:AlternateContent xmlns:mc="http://schemas.openxmlformats.org/markup-compatibility/2006" xmlns:p15="http://schemas.microsoft.com/office/powerpoint/2012/main">
+    <mc:Choice Requires="p15">
       <p:transition xmlns:p14="http://schemas.microsoft.com/office/powerpoint/2010/main" spd="slow" p14:dur="1250">
         <p15:prstTrans prst="peelOff"/>
       </p:transition>
     </mc:Choice>
-    <mc:Fallback>
+    <mc:Fallback xmlns="">
       <p:transition spd="slow">
         <p:fade/>
       </p:transition>
@@ -7605,7 +8104,7 @@
 </p:sld>
 </file>
 
-<file path=ppt/slides/slide8.xml><?xml version="1.0" encoding="utf-8"?>
+<file path=ppt/slides/slide9.xml><?xml version="1.0" encoding="utf-8"?>
 <p:sld xmlns:a="http://schemas.openxmlformats.org/drawingml/2006/main" xmlns:r="http://schemas.openxmlformats.org/officeDocument/2006/relationships" xmlns:p="http://schemas.openxmlformats.org/presentationml/2006/main">
   <p:cSld>
     <p:spTree>
@@ -7934,370 +8433,13 @@
   <p:clrMapOvr>
     <a:masterClrMapping/>
   </p:clrMapOvr>
-  <mc:AlternateContent xmlns:mc="http://schemas.openxmlformats.org/markup-compatibility/2006">
-    <mc:Choice xmlns:p15="http://schemas.microsoft.com/office/powerpoint/2012/main" Requires="p15">
+  <mc:AlternateContent xmlns:mc="http://schemas.openxmlformats.org/markup-compatibility/2006" xmlns:p15="http://schemas.microsoft.com/office/powerpoint/2012/main">
+    <mc:Choice Requires="p15">
       <p:transition xmlns:p14="http://schemas.microsoft.com/office/powerpoint/2010/main" spd="slow" p14:dur="1250">
         <p15:prstTrans prst="pageCurlDouble"/>
       </p:transition>
     </mc:Choice>
-    <mc:Fallback>
-      <p:transition spd="slow">
-        <p:fade/>
-      </p:transition>
-    </mc:Fallback>
-  </mc:AlternateContent>
-</p:sld>
-</file>
-
-<file path=ppt/slides/slide9.xml><?xml version="1.0" encoding="utf-8"?>
-<p:sld xmlns:a="http://schemas.openxmlformats.org/drawingml/2006/main" xmlns:r="http://schemas.openxmlformats.org/officeDocument/2006/relationships" xmlns:p="http://schemas.openxmlformats.org/presentationml/2006/main">
-  <p:cSld>
-    <p:spTree>
-      <p:nvGrpSpPr>
-        <p:cNvPr id="1" name=""/>
-        <p:cNvGrpSpPr/>
-        <p:nvPr/>
-      </p:nvGrpSpPr>
-      <p:grpSpPr>
-        <a:xfrm>
-          <a:off x="0" y="0"/>
-          <a:ext cx="0" cy="0"/>
-          <a:chOff x="0" y="0"/>
-          <a:chExt cx="0" cy="0"/>
-        </a:xfrm>
-      </p:grpSpPr>
-      <p:sp>
-        <p:nvSpPr>
-          <p:cNvPr id="2" name="Заголовок 1">
-            <a:extLst>
-              <a:ext uri="{FF2B5EF4-FFF2-40B4-BE49-F238E27FC236}">
-                <a16:creationId xmlns:a16="http://schemas.microsoft.com/office/drawing/2014/main" id="{6F047A64-32DE-46D5-8C70-BACEA28BEF1F}"/>
-              </a:ext>
-            </a:extLst>
-          </p:cNvPr>
-          <p:cNvSpPr>
-            <a:spLocks noGrp="1"/>
-          </p:cNvSpPr>
-          <p:nvPr>
-            <p:ph type="title"/>
-          </p:nvPr>
-        </p:nvSpPr>
-        <p:spPr>
-          <a:xfrm>
-            <a:off x="2001078" y="198782"/>
-            <a:ext cx="6851374" cy="1325563"/>
-          </a:xfrm>
-        </p:spPr>
-        <p:txBody>
-          <a:bodyPr>
-            <a:normAutofit fontScale="90000"/>
-          </a:bodyPr>
-          <a:lstStyle/>
-          <a:p>
-            <a:pPr algn="ctr"/>
-            <a:r>
-              <a:rPr lang="ru-RU" sz="6000" b="1" dirty="0">
-                <a:solidFill>
-                  <a:srgbClr val="540022"/>
-                </a:solidFill>
-              </a:rPr>
-              <a:t>Ключевое слово </a:t>
-            </a:r>
-            <a:r>
-              <a:rPr lang="en-US" sz="6000" b="1" dirty="0">
-                <a:solidFill>
-                  <a:srgbClr val="540022"/>
-                </a:solidFill>
-              </a:rPr>
-              <a:t>static</a:t>
-            </a:r>
-            <a:endParaRPr lang="ru-RU" sz="5400" dirty="0"/>
-          </a:p>
-        </p:txBody>
-      </p:sp>
-      <p:sp>
-        <p:nvSpPr>
-          <p:cNvPr id="4" name="TextBox 3">
-            <a:extLst>
-              <a:ext uri="{FF2B5EF4-FFF2-40B4-BE49-F238E27FC236}">
-                <a16:creationId xmlns:a16="http://schemas.microsoft.com/office/drawing/2014/main" id="{F554944C-9094-45D3-9668-2E5BCB097942}"/>
-              </a:ext>
-            </a:extLst>
-          </p:cNvPr>
-          <p:cNvSpPr txBox="1"/>
-          <p:nvPr/>
-        </p:nvSpPr>
-        <p:spPr>
-          <a:xfrm>
-            <a:off x="225286" y="1740361"/>
-            <a:ext cx="8772939" cy="1569660"/>
-          </a:xfrm>
-          <a:prstGeom prst="rect">
-            <a:avLst/>
-          </a:prstGeom>
-          <a:noFill/>
-        </p:spPr>
-        <p:txBody>
-          <a:bodyPr wrap="square" rtlCol="0">
-            <a:spAutoFit/>
-          </a:bodyPr>
-          <a:lstStyle/>
-          <a:p>
-            <a:pPr marL="285750" indent="-285750">
-              <a:buFont typeface="Arial" panose="020B0604020202020204" pitchFamily="34" charset="0"/>
-              <a:buChar char="•"/>
-            </a:pPr>
-            <a:r>
-              <a:rPr lang="ru-RU" sz="2400" dirty="0"/>
-              <a:t>Позволяет хранить данные в «единственном числе», то есть независимо от того сколько было создано объектов класса.</a:t>
-            </a:r>
-          </a:p>
-          <a:p>
-            <a:pPr marL="285750" indent="-285750">
-              <a:buFont typeface="Arial" panose="020B0604020202020204" pitchFamily="34" charset="0"/>
-              <a:buChar char="•"/>
-            </a:pPr>
-            <a:r>
-              <a:rPr lang="ru-RU" sz="2400" dirty="0"/>
-              <a:t>Позволяет использовать метод, не привязанный ни к какому конкретному объекту класса. </a:t>
-            </a:r>
-            <a:endParaRPr lang="en-US" sz="2400" dirty="0"/>
-          </a:p>
-        </p:txBody>
-      </p:sp>
-      <p:grpSp>
-        <p:nvGrpSpPr>
-          <p:cNvPr id="6" name="Группа 5">
-            <a:extLst>
-              <a:ext uri="{FF2B5EF4-FFF2-40B4-BE49-F238E27FC236}">
-                <a16:creationId xmlns:a16="http://schemas.microsoft.com/office/drawing/2014/main" id="{7E929C71-6ED6-402F-97B6-BDED573AF901}"/>
-              </a:ext>
-            </a:extLst>
-          </p:cNvPr>
-          <p:cNvGrpSpPr/>
-          <p:nvPr/>
-        </p:nvGrpSpPr>
-        <p:grpSpPr>
-          <a:xfrm>
-            <a:off x="702365" y="3526037"/>
-            <a:ext cx="7924800" cy="3133182"/>
-            <a:chOff x="609600" y="3027062"/>
-            <a:chExt cx="7924800" cy="3660689"/>
-          </a:xfrm>
-        </p:grpSpPr>
-        <p:sp>
-          <p:nvSpPr>
-            <p:cNvPr id="8" name="Прямоугольник 7">
-              <a:extLst>
-                <a:ext uri="{FF2B5EF4-FFF2-40B4-BE49-F238E27FC236}">
-                  <a16:creationId xmlns:a16="http://schemas.microsoft.com/office/drawing/2014/main" id="{220F1940-20F9-4D14-A838-8BE412D60146}"/>
-                </a:ext>
-              </a:extLst>
-            </p:cNvPr>
-            <p:cNvSpPr/>
-            <p:nvPr/>
-          </p:nvSpPr>
-          <p:spPr>
-            <a:xfrm>
-              <a:off x="609600" y="3027062"/>
-              <a:ext cx="7924800" cy="3660688"/>
-            </a:xfrm>
-            <a:prstGeom prst="rect">
-              <a:avLst/>
-            </a:prstGeom>
-            <a:solidFill>
-              <a:schemeClr val="bg1"/>
-            </a:solidFill>
-            <a:ln w="57150">
-              <a:solidFill>
-                <a:srgbClr val="C00000"/>
-              </a:solidFill>
-            </a:ln>
-          </p:spPr>
-          <p:style>
-            <a:lnRef idx="2">
-              <a:schemeClr val="accent1">
-                <a:shade val="50000"/>
-              </a:schemeClr>
-            </a:lnRef>
-            <a:fillRef idx="1">
-              <a:schemeClr val="accent1"/>
-            </a:fillRef>
-            <a:effectRef idx="0">
-              <a:schemeClr val="accent1"/>
-            </a:effectRef>
-            <a:fontRef idx="minor">
-              <a:schemeClr val="lt1"/>
-            </a:fontRef>
-          </p:style>
-          <p:txBody>
-            <a:bodyPr rtlCol="0" anchor="ctr"/>
-            <a:lstStyle/>
-            <a:p>
-              <a:pPr algn="ctr"/>
-              <a:endParaRPr lang="ru-RU" dirty="0"/>
-            </a:p>
-          </p:txBody>
-        </p:sp>
-        <p:sp>
-          <p:nvSpPr>
-            <p:cNvPr id="9" name="TextBox 8">
-              <a:extLst>
-                <a:ext uri="{FF2B5EF4-FFF2-40B4-BE49-F238E27FC236}">
-                  <a16:creationId xmlns:a16="http://schemas.microsoft.com/office/drawing/2014/main" id="{BC466E27-5CC8-4796-B734-0B407C1D91FE}"/>
-                </a:ext>
-              </a:extLst>
-            </p:cNvPr>
-            <p:cNvSpPr txBox="1"/>
-            <p:nvPr/>
-          </p:nvSpPr>
-          <p:spPr>
-            <a:xfrm>
-              <a:off x="834885" y="3127767"/>
-              <a:ext cx="7368209" cy="3559984"/>
-            </a:xfrm>
-            <a:prstGeom prst="rect">
-              <a:avLst/>
-            </a:prstGeom>
-            <a:noFill/>
-          </p:spPr>
-          <p:txBody>
-            <a:bodyPr wrap="square" rtlCol="0">
-              <a:spAutoFit/>
-            </a:bodyPr>
-            <a:lstStyle/>
-            <a:p>
-              <a:r>
-                <a:rPr lang="en-US" sz="2400" dirty="0">
-                  <a:latin typeface="Consolas" panose="020B0609020204030204" pitchFamily="49" charset="0"/>
-                </a:rPr>
-                <a:t>class </a:t>
-              </a:r>
-              <a:r>
-                <a:rPr lang="en-US" sz="2400" dirty="0" err="1">
-                  <a:latin typeface="Consolas" panose="020B0609020204030204" pitchFamily="49" charset="0"/>
-                </a:rPr>
-                <a:t>StaticTest</a:t>
-              </a:r>
-              <a:r>
-                <a:rPr lang="en-US" sz="2400" dirty="0">
-                  <a:latin typeface="Consolas" panose="020B0609020204030204" pitchFamily="49" charset="0"/>
-                </a:rPr>
-                <a:t> {</a:t>
-              </a:r>
-            </a:p>
-            <a:p>
-              <a:r>
-                <a:rPr lang="en-US" sz="2400" dirty="0">
-                  <a:latin typeface="Consolas" panose="020B0609020204030204" pitchFamily="49" charset="0"/>
-                </a:rPr>
-                <a:t>	public static int </a:t>
-              </a:r>
-              <a:r>
-                <a:rPr lang="en-US" sz="2400" dirty="0" err="1">
-                  <a:latin typeface="Consolas" panose="020B0609020204030204" pitchFamily="49" charset="0"/>
-                </a:rPr>
-                <a:t>i</a:t>
-              </a:r>
-              <a:r>
-                <a:rPr lang="en-US" sz="2400" dirty="0">
-                  <a:latin typeface="Consolas" panose="020B0609020204030204" pitchFamily="49" charset="0"/>
-                </a:rPr>
-                <a:t> = 47;</a:t>
-              </a:r>
-            </a:p>
-            <a:p>
-              <a:r>
-                <a:rPr lang="en-US" sz="2400" dirty="0">
-                  <a:latin typeface="Consolas" panose="020B0609020204030204" pitchFamily="49" charset="0"/>
-                </a:rPr>
-                <a:t>}</a:t>
-              </a:r>
-            </a:p>
-            <a:p>
-              <a:endParaRPr lang="en-US" sz="2400" dirty="0">
-                <a:latin typeface="Consolas" panose="020B0609020204030204" pitchFamily="49" charset="0"/>
-              </a:endParaRPr>
-            </a:p>
-            <a:p>
-              <a:r>
-                <a:rPr lang="en-US" sz="2400" dirty="0">
-                  <a:latin typeface="Consolas" panose="020B0609020204030204" pitchFamily="49" charset="0"/>
-                </a:rPr>
-                <a:t>…</a:t>
-              </a:r>
-            </a:p>
-            <a:p>
-              <a:r>
-                <a:rPr lang="en-US" sz="2400" dirty="0">
-                  <a:latin typeface="Consolas" panose="020B0609020204030204" pitchFamily="49" charset="0"/>
-                </a:rPr>
-                <a:t>public static void main (String [] </a:t>
-              </a:r>
-              <a:r>
-                <a:rPr lang="en-US" sz="2400" dirty="0" err="1">
-                  <a:latin typeface="Consolas" panose="020B0609020204030204" pitchFamily="49" charset="0"/>
-                </a:rPr>
-                <a:t>args</a:t>
-              </a:r>
-              <a:r>
-                <a:rPr lang="en-US" sz="2400" dirty="0">
-                  <a:latin typeface="Consolas" panose="020B0609020204030204" pitchFamily="49" charset="0"/>
-                </a:rPr>
-                <a:t>) {</a:t>
-              </a:r>
-            </a:p>
-            <a:p>
-              <a:r>
-                <a:rPr lang="en-US" sz="2400" dirty="0">
-                  <a:latin typeface="Consolas" panose="020B0609020204030204" pitchFamily="49" charset="0"/>
-                </a:rPr>
-                <a:t>	</a:t>
-              </a:r>
-              <a:r>
-                <a:rPr lang="en-US" sz="2400" dirty="0" err="1">
-                  <a:latin typeface="Consolas" panose="020B0609020204030204" pitchFamily="49" charset="0"/>
-                </a:rPr>
-                <a:t>StaticTest.i</a:t>
-              </a:r>
-              <a:r>
-                <a:rPr lang="en-US" sz="2400" dirty="0">
-                  <a:latin typeface="Consolas" panose="020B0609020204030204" pitchFamily="49" charset="0"/>
-                </a:rPr>
-                <a:t>++;</a:t>
-              </a:r>
-            </a:p>
-            <a:p>
-              <a:r>
-                <a:rPr lang="en-US" sz="2400" dirty="0">
-                  <a:latin typeface="Consolas" panose="020B0609020204030204" pitchFamily="49" charset="0"/>
-                </a:rPr>
-                <a:t>}</a:t>
-              </a:r>
-              <a:endParaRPr lang="ru-RU" sz="2800" dirty="0">
-                <a:latin typeface="Consolas" panose="020B0609020204030204" pitchFamily="49" charset="0"/>
-              </a:endParaRPr>
-            </a:p>
-          </p:txBody>
-        </p:sp>
-      </p:grpSp>
-    </p:spTree>
-    <p:extLst>
-      <p:ext uri="{BB962C8B-B14F-4D97-AF65-F5344CB8AC3E}">
-        <p14:creationId xmlns:p14="http://schemas.microsoft.com/office/powerpoint/2010/main" val="1207267210"/>
-      </p:ext>
-    </p:extLst>
-  </p:cSld>
-  <p:clrMapOvr>
-    <a:masterClrMapping/>
-  </p:clrMapOvr>
-  <mc:AlternateContent xmlns:mc="http://schemas.openxmlformats.org/markup-compatibility/2006">
-    <mc:Choice xmlns:p14="http://schemas.microsoft.com/office/powerpoint/2010/main" Requires="p14">
-      <p:transition spd="slow" p14:dur="900">
-        <p14:warp dir="in"/>
-      </p:transition>
-    </mc:Choice>
-    <mc:Fallback>
+    <mc:Fallback xmlns="">
       <p:transition spd="slow">
         <p:fade/>
       </p:transition>
